--- a/Project supporting Artifacts/Friday Presentations/presentation_Friday_0112.pptx
+++ b/Project supporting Artifacts/Friday Presentations/presentation_Friday_0112.pptx
@@ -8,7 +8,11 @@
     <p:sldId id="256" r:id="rId2"/>
     <p:sldId id="257" r:id="rId3"/>
     <p:sldId id="258" r:id="rId4"/>
-    <p:sldId id="259" r:id="rId5"/>
+    <p:sldId id="260" r:id="rId5"/>
+    <p:sldId id="261" r:id="rId6"/>
+    <p:sldId id="262" r:id="rId7"/>
+    <p:sldId id="263" r:id="rId8"/>
+    <p:sldId id="259" r:id="rId9"/>
   </p:sldIdLst>
   <p:sldSz cx="12192000" cy="6858000"/>
   <p:notesSz cx="6858000" cy="9144000"/>
@@ -1719,7 +1723,7 @@
           </a:pPr>
           <a:r>
             <a:rPr lang="en-US" dirty="0"/>
-            <a:t>Updated architecture</a:t>
+            <a:t>Updated Technical Flow</a:t>
           </a:r>
         </a:p>
       </dgm:t>
@@ -2133,8 +2137,13 @@
           </a:pPr>
           <a:r>
             <a:rPr lang="en-US" dirty="0"/>
-            <a:t>Evaluation phase 4</a:t>
+            <a:t>Evaluation </a:t>
           </a:r>
+          <a:r>
+            <a:rPr lang="en-US"/>
+            <a:t>phase 3</a:t>
+          </a:r>
+          <a:endParaRPr lang="en-US" dirty="0"/>
         </a:p>
       </dgm:t>
     </dgm:pt>
@@ -2817,7 +2826,7 @@
           </a:pPr>
           <a:r>
             <a:rPr lang="en-US" sz="2300" kern="1200" dirty="0"/>
-            <a:t>Updated architecture</a:t>
+            <a:t>Updated Technical Flow</a:t>
           </a:r>
         </a:p>
       </dsp:txBody>
@@ -3417,8 +3426,13 @@
           </a:pPr>
           <a:r>
             <a:rPr lang="en-US" sz="2400" kern="1200" dirty="0"/>
-            <a:t>Evaluation phase 4</a:t>
+            <a:t>Evaluation </a:t>
           </a:r>
+          <a:r>
+            <a:rPr lang="en-US" sz="2400" kern="1200"/>
+            <a:t>phase 3</a:t>
+          </a:r>
+          <a:endParaRPr lang="en-US" sz="2400" kern="1200" dirty="0"/>
         </a:p>
       </dsp:txBody>
       <dsp:txXfrm>
@@ -9417,7 +9431,7 @@
             <p:ph idx="1"/>
             <p:extLst>
               <p:ext uri="{D42A27DB-BD31-4B8C-83A1-F6EECF244321}">
-                <p14:modId xmlns:p14="http://schemas.microsoft.com/office/powerpoint/2010/main" val="3536003367"/>
+                <p14:modId xmlns:p14="http://schemas.microsoft.com/office/powerpoint/2010/main" val="1049316597"/>
               </p:ext>
             </p:extLst>
           </p:nvPr>
@@ -9489,7 +9503,7 @@
         <p:spPr>
           <a:xfrm>
             <a:off x="762000" y="761998"/>
-            <a:ext cx="5334000" cy="1708246"/>
+            <a:ext cx="5193723" cy="786707"/>
           </a:xfrm>
         </p:spPr>
         <p:txBody>
@@ -9523,13 +9537,13 @@
         </p:nvSpPr>
         <p:spPr>
           <a:xfrm>
-            <a:off x="761994" y="2470245"/>
+            <a:off x="761994" y="2263211"/>
             <a:ext cx="5334006" cy="3769835"/>
           </a:xfrm>
         </p:spPr>
         <p:txBody>
           <a:bodyPr anchor="ctr">
-            <a:normAutofit/>
+            <a:normAutofit lnSpcReduction="10000"/>
           </a:bodyPr>
           <a:lstStyle/>
           <a:p>
@@ -9568,14 +9582,34 @@
           <a:p>
             <a:r>
               <a:rPr lang="en-US" sz="2000" dirty="0"/>
-              <a:t>Architecture update</a:t>
+              <a:t>Login System</a:t>
             </a:r>
           </a:p>
           <a:p>
             <a:pPr lvl="1"/>
             <a:r>
               <a:rPr lang="en-US" sz="2000" dirty="0"/>
-              <a:t>Change in architecture to include user authentication</a:t>
+              <a:t>Backend API created for registration, login, logout</a:t>
+            </a:r>
+          </a:p>
+          <a:p>
+            <a:pPr lvl="1"/>
+            <a:r>
+              <a:rPr lang="en-US" sz="2000" dirty="0"/>
+              <a:t>User authentication added to all pages</a:t>
+            </a:r>
+          </a:p>
+          <a:p>
+            <a:r>
+              <a:rPr lang="en-US" sz="2000" dirty="0"/>
+              <a:t>Architecture update</a:t>
+            </a:r>
+          </a:p>
+          <a:p>
+            <a:pPr lvl="1"/>
+            <a:r>
+              <a:rPr lang="en-US" sz="2000" dirty="0"/>
+              <a:t>Updated complexity in the technical flows </a:t>
             </a:r>
           </a:p>
         </p:txBody>
@@ -9705,6 +9739,698 @@
 <file path=ppt/slides/slide4.xml><?xml version="1.0" encoding="utf-8"?>
 <p:sld xmlns:a="http://schemas.openxmlformats.org/drawingml/2006/main" xmlns:r="http://schemas.openxmlformats.org/officeDocument/2006/relationships" xmlns:p="http://schemas.openxmlformats.org/presentationml/2006/main">
   <p:cSld>
+    <p:bg>
+      <p:bgPr>
+        <a:solidFill>
+          <a:schemeClr val="bg1"/>
+        </a:solidFill>
+        <a:effectLst/>
+      </p:bgPr>
+    </p:bg>
+    <p:spTree>
+      <p:nvGrpSpPr>
+        <p:cNvPr id="1" name=""/>
+        <p:cNvGrpSpPr/>
+        <p:nvPr/>
+      </p:nvGrpSpPr>
+      <p:grpSpPr>
+        <a:xfrm>
+          <a:off x="0" y="0"/>
+          <a:ext cx="0" cy="0"/>
+          <a:chOff x="0" y="0"/>
+          <a:chExt cx="0" cy="0"/>
+        </a:xfrm>
+      </p:grpSpPr>
+      <p:sp useBgFill="1">
+        <p:nvSpPr>
+          <p:cNvPr id="14" name="Rectangle 13">
+            <a:extLst>
+              <a:ext uri="{FF2B5EF4-FFF2-40B4-BE49-F238E27FC236}">
+                <a16:creationId xmlns:a16="http://schemas.microsoft.com/office/drawing/2014/main" id="{53F29798-D584-4792-9B62-3F5F5C36D619}"/>
+              </a:ext>
+              <a:ext uri="{C183D7F6-B498-43B3-948B-1728B52AA6E4}">
+                <adec:decorative xmlns:adec="http://schemas.microsoft.com/office/drawing/2017/decorative" val="1"/>
+              </a:ext>
+            </a:extLst>
+          </p:cNvPr>
+          <p:cNvSpPr>
+            <a:spLocks noGrp="1" noRot="1" noChangeAspect="1" noMove="1" noResize="1" noEditPoints="1" noAdjustHandles="1" noChangeArrowheads="1" noChangeShapeType="1" noTextEdit="1"/>
+          </p:cNvSpPr>
+          <p:nvPr>
+            <p:extLst>
+              <p:ext uri="{386F3935-93C4-4BCD-93E2-E3B085C9AB24}">
+                <p16:designElem xmlns:p16="http://schemas.microsoft.com/office/powerpoint/2015/main" val="1"/>
+              </p:ext>
+            </p:extLst>
+          </p:nvPr>
+        </p:nvSpPr>
+        <p:spPr>
+          <a:xfrm>
+            <a:off x="0" y="0"/>
+            <a:ext cx="12188952" cy="6858000"/>
+          </a:xfrm>
+          <a:prstGeom prst="rect">
+            <a:avLst/>
+          </a:prstGeom>
+          <a:ln>
+            <a:noFill/>
+          </a:ln>
+        </p:spPr>
+        <p:style>
+          <a:lnRef idx="2">
+            <a:schemeClr val="accent1">
+              <a:shade val="50000"/>
+            </a:schemeClr>
+          </a:lnRef>
+          <a:fillRef idx="1">
+            <a:schemeClr val="accent1"/>
+          </a:fillRef>
+          <a:effectRef idx="0">
+            <a:schemeClr val="accent1"/>
+          </a:effectRef>
+          <a:fontRef idx="minor">
+            <a:schemeClr val="lt1"/>
+          </a:fontRef>
+        </p:style>
+        <p:txBody>
+          <a:bodyPr rtlCol="0" anchor="ctr"/>
+          <a:lstStyle/>
+          <a:p>
+            <a:pPr algn="ctr"/>
+            <a:endParaRPr lang="en-US"/>
+          </a:p>
+        </p:txBody>
+      </p:sp>
+      <p:sp>
+        <p:nvSpPr>
+          <p:cNvPr id="2" name="Title 1">
+            <a:extLst>
+              <a:ext uri="{FF2B5EF4-FFF2-40B4-BE49-F238E27FC236}">
+                <a16:creationId xmlns:a16="http://schemas.microsoft.com/office/drawing/2014/main" id="{392D336C-4303-5030-5D88-81B0085DFE16}"/>
+              </a:ext>
+            </a:extLst>
+          </p:cNvPr>
+          <p:cNvSpPr>
+            <a:spLocks noGrp="1"/>
+          </p:cNvSpPr>
+          <p:nvPr>
+            <p:ph type="title"/>
+          </p:nvPr>
+        </p:nvSpPr>
+        <p:spPr>
+          <a:xfrm>
+            <a:off x="0" y="61144"/>
+            <a:ext cx="3604404" cy="439947"/>
+          </a:xfrm>
+        </p:spPr>
+        <p:txBody>
+          <a:bodyPr vert="horz" lIns="91440" tIns="45720" rIns="91440" bIns="45720" rtlCol="0" anchor="ctr">
+            <a:normAutofit fontScale="90000"/>
+          </a:bodyPr>
+          <a:lstStyle/>
+          <a:p>
+            <a:r>
+              <a:rPr lang="en-US" sz="2400" b="1" dirty="0"/>
+              <a:t>Technical Flow - F</a:t>
+            </a:r>
+            <a:r>
+              <a:rPr lang="en-US" sz="2400" b="1" kern="1200" dirty="0">
+                <a:solidFill>
+                  <a:schemeClr val="tx1"/>
+                </a:solidFill>
+                <a:latin typeface="+mj-lt"/>
+                <a:ea typeface="+mj-ea"/>
+                <a:cs typeface="+mj-cs"/>
+              </a:rPr>
+              <a:t>ile Upload </a:t>
+            </a:r>
+          </a:p>
+        </p:txBody>
+      </p:sp>
+      <p:pic>
+        <p:nvPicPr>
+          <p:cNvPr id="5" name="Picture 4" descr="A diagram of a software application&#10;&#10;Description automatically generated">
+            <a:extLst>
+              <a:ext uri="{FF2B5EF4-FFF2-40B4-BE49-F238E27FC236}">
+                <a16:creationId xmlns:a16="http://schemas.microsoft.com/office/drawing/2014/main" id="{63E473BA-74AF-0EF8-CDCC-D9C73F7928CF}"/>
+              </a:ext>
+            </a:extLst>
+          </p:cNvPr>
+          <p:cNvPicPr>
+            <a:picLocks noChangeAspect="1"/>
+          </p:cNvPicPr>
+          <p:nvPr/>
+        </p:nvPicPr>
+        <p:blipFill rotWithShape="1">
+          <a:blip r:embed="rId2"/>
+          <a:srcRect l="8193" t="9936" r="7720" b="8702"/>
+          <a:stretch/>
+        </p:blipFill>
+        <p:spPr>
+          <a:xfrm>
+            <a:off x="2288363" y="422695"/>
+            <a:ext cx="7847675" cy="6435306"/>
+          </a:xfrm>
+          <a:prstGeom prst="rect">
+            <a:avLst/>
+          </a:prstGeom>
+        </p:spPr>
+      </p:pic>
+    </p:spTree>
+    <p:extLst>
+      <p:ext uri="{BB962C8B-B14F-4D97-AF65-F5344CB8AC3E}">
+        <p14:creationId xmlns:p14="http://schemas.microsoft.com/office/powerpoint/2010/main" val="1343438883"/>
+      </p:ext>
+    </p:extLst>
+  </p:cSld>
+  <p:clrMapOvr>
+    <a:masterClrMapping/>
+  </p:clrMapOvr>
+</p:sld>
+</file>
+
+<file path=ppt/slides/slide5.xml><?xml version="1.0" encoding="utf-8"?>
+<p:sld xmlns:a="http://schemas.openxmlformats.org/drawingml/2006/main" xmlns:r="http://schemas.openxmlformats.org/officeDocument/2006/relationships" xmlns:p="http://schemas.openxmlformats.org/presentationml/2006/main">
+  <p:cSld>
+    <p:bg>
+      <p:bgPr>
+        <a:solidFill>
+          <a:schemeClr val="bg1"/>
+        </a:solidFill>
+        <a:effectLst/>
+      </p:bgPr>
+    </p:bg>
+    <p:spTree>
+      <p:nvGrpSpPr>
+        <p:cNvPr id="1" name=""/>
+        <p:cNvGrpSpPr/>
+        <p:nvPr/>
+      </p:nvGrpSpPr>
+      <p:grpSpPr>
+        <a:xfrm>
+          <a:off x="0" y="0"/>
+          <a:ext cx="0" cy="0"/>
+          <a:chOff x="0" y="0"/>
+          <a:chExt cx="0" cy="0"/>
+        </a:xfrm>
+      </p:grpSpPr>
+      <p:sp useBgFill="1">
+        <p:nvSpPr>
+          <p:cNvPr id="14" name="Rectangle 13">
+            <a:extLst>
+              <a:ext uri="{FF2B5EF4-FFF2-40B4-BE49-F238E27FC236}">
+                <a16:creationId xmlns:a16="http://schemas.microsoft.com/office/drawing/2014/main" id="{53F29798-D584-4792-9B62-3F5F5C36D619}"/>
+              </a:ext>
+              <a:ext uri="{C183D7F6-B498-43B3-948B-1728B52AA6E4}">
+                <adec:decorative xmlns:adec="http://schemas.microsoft.com/office/drawing/2017/decorative" val="1"/>
+              </a:ext>
+            </a:extLst>
+          </p:cNvPr>
+          <p:cNvSpPr>
+            <a:spLocks noGrp="1" noRot="1" noChangeAspect="1" noMove="1" noResize="1" noEditPoints="1" noAdjustHandles="1" noChangeArrowheads="1" noChangeShapeType="1" noTextEdit="1"/>
+          </p:cNvSpPr>
+          <p:nvPr>
+            <p:extLst>
+              <p:ext uri="{386F3935-93C4-4BCD-93E2-E3B085C9AB24}">
+                <p16:designElem xmlns:p16="http://schemas.microsoft.com/office/powerpoint/2015/main" val="1"/>
+              </p:ext>
+            </p:extLst>
+          </p:nvPr>
+        </p:nvSpPr>
+        <p:spPr>
+          <a:xfrm>
+            <a:off x="0" y="0"/>
+            <a:ext cx="12188952" cy="6858000"/>
+          </a:xfrm>
+          <a:prstGeom prst="rect">
+            <a:avLst/>
+          </a:prstGeom>
+          <a:ln>
+            <a:noFill/>
+          </a:ln>
+        </p:spPr>
+        <p:style>
+          <a:lnRef idx="2">
+            <a:schemeClr val="accent1">
+              <a:shade val="50000"/>
+            </a:schemeClr>
+          </a:lnRef>
+          <a:fillRef idx="1">
+            <a:schemeClr val="accent1"/>
+          </a:fillRef>
+          <a:effectRef idx="0">
+            <a:schemeClr val="accent1"/>
+          </a:effectRef>
+          <a:fontRef idx="minor">
+            <a:schemeClr val="lt1"/>
+          </a:fontRef>
+        </p:style>
+        <p:txBody>
+          <a:bodyPr rtlCol="0" anchor="ctr"/>
+          <a:lstStyle/>
+          <a:p>
+            <a:pPr algn="ctr"/>
+            <a:endParaRPr lang="en-US"/>
+          </a:p>
+        </p:txBody>
+      </p:sp>
+      <p:sp>
+        <p:nvSpPr>
+          <p:cNvPr id="2" name="Title 1">
+            <a:extLst>
+              <a:ext uri="{FF2B5EF4-FFF2-40B4-BE49-F238E27FC236}">
+                <a16:creationId xmlns:a16="http://schemas.microsoft.com/office/drawing/2014/main" id="{392D336C-4303-5030-5D88-81B0085DFE16}"/>
+              </a:ext>
+            </a:extLst>
+          </p:cNvPr>
+          <p:cNvSpPr>
+            <a:spLocks noGrp="1"/>
+          </p:cNvSpPr>
+          <p:nvPr>
+            <p:ph type="title"/>
+          </p:nvPr>
+        </p:nvSpPr>
+        <p:spPr>
+          <a:xfrm>
+            <a:off x="-1" y="61144"/>
+            <a:ext cx="4753155" cy="439947"/>
+          </a:xfrm>
+        </p:spPr>
+        <p:txBody>
+          <a:bodyPr vert="horz" lIns="91440" tIns="45720" rIns="91440" bIns="45720" rtlCol="0" anchor="ctr">
+            <a:normAutofit fontScale="90000"/>
+          </a:bodyPr>
+          <a:lstStyle/>
+          <a:p>
+            <a:r>
+              <a:rPr lang="en-US" sz="2400" b="1" dirty="0"/>
+              <a:t>Technical Flow – Data Preview &amp; Profile</a:t>
+            </a:r>
+            <a:r>
+              <a:rPr lang="en-US" sz="2400" b="1" kern="1200" dirty="0">
+                <a:solidFill>
+                  <a:schemeClr val="tx1"/>
+                </a:solidFill>
+                <a:latin typeface="+mj-lt"/>
+                <a:ea typeface="+mj-ea"/>
+                <a:cs typeface="+mj-cs"/>
+              </a:rPr>
+              <a:t> </a:t>
+            </a:r>
+          </a:p>
+        </p:txBody>
+      </p:sp>
+      <p:pic>
+        <p:nvPicPr>
+          <p:cNvPr id="4" name="Picture 3" descr="A diagram of a software development process&#10;&#10;Description automatically generated">
+            <a:extLst>
+              <a:ext uri="{FF2B5EF4-FFF2-40B4-BE49-F238E27FC236}">
+                <a16:creationId xmlns:a16="http://schemas.microsoft.com/office/drawing/2014/main" id="{0A6862FB-7B6C-B42E-049F-E8B17C5D1120}"/>
+              </a:ext>
+            </a:extLst>
+          </p:cNvPr>
+          <p:cNvPicPr>
+            <a:picLocks noChangeAspect="1"/>
+          </p:cNvPicPr>
+          <p:nvPr/>
+        </p:nvPicPr>
+        <p:blipFill rotWithShape="1">
+          <a:blip r:embed="rId2"/>
+          <a:srcRect l="8139" t="14924" r="8828" b="13890"/>
+          <a:stretch/>
+        </p:blipFill>
+        <p:spPr>
+          <a:xfrm>
+            <a:off x="1000664" y="862642"/>
+            <a:ext cx="9756476" cy="5434641"/>
+          </a:xfrm>
+          <a:prstGeom prst="rect">
+            <a:avLst/>
+          </a:prstGeom>
+        </p:spPr>
+      </p:pic>
+    </p:spTree>
+    <p:extLst>
+      <p:ext uri="{BB962C8B-B14F-4D97-AF65-F5344CB8AC3E}">
+        <p14:creationId xmlns:p14="http://schemas.microsoft.com/office/powerpoint/2010/main" val="3455968761"/>
+      </p:ext>
+    </p:extLst>
+  </p:cSld>
+  <p:clrMapOvr>
+    <a:masterClrMapping/>
+  </p:clrMapOvr>
+</p:sld>
+</file>
+
+<file path=ppt/slides/slide6.xml><?xml version="1.0" encoding="utf-8"?>
+<p:sld xmlns:a="http://schemas.openxmlformats.org/drawingml/2006/main" xmlns:r="http://schemas.openxmlformats.org/officeDocument/2006/relationships" xmlns:p="http://schemas.openxmlformats.org/presentationml/2006/main">
+  <p:cSld>
+    <p:bg>
+      <p:bgPr>
+        <a:solidFill>
+          <a:schemeClr val="bg1"/>
+        </a:solidFill>
+        <a:effectLst/>
+      </p:bgPr>
+    </p:bg>
+    <p:spTree>
+      <p:nvGrpSpPr>
+        <p:cNvPr id="1" name=""/>
+        <p:cNvGrpSpPr/>
+        <p:nvPr/>
+      </p:nvGrpSpPr>
+      <p:grpSpPr>
+        <a:xfrm>
+          <a:off x="0" y="0"/>
+          <a:ext cx="0" cy="0"/>
+          <a:chOff x="0" y="0"/>
+          <a:chExt cx="0" cy="0"/>
+        </a:xfrm>
+      </p:grpSpPr>
+      <p:sp useBgFill="1">
+        <p:nvSpPr>
+          <p:cNvPr id="14" name="Rectangle 13">
+            <a:extLst>
+              <a:ext uri="{FF2B5EF4-FFF2-40B4-BE49-F238E27FC236}">
+                <a16:creationId xmlns:a16="http://schemas.microsoft.com/office/drawing/2014/main" id="{53F29798-D584-4792-9B62-3F5F5C36D619}"/>
+              </a:ext>
+              <a:ext uri="{C183D7F6-B498-43B3-948B-1728B52AA6E4}">
+                <adec:decorative xmlns:adec="http://schemas.microsoft.com/office/drawing/2017/decorative" val="1"/>
+              </a:ext>
+            </a:extLst>
+          </p:cNvPr>
+          <p:cNvSpPr>
+            <a:spLocks noGrp="1" noRot="1" noChangeAspect="1" noMove="1" noResize="1" noEditPoints="1" noAdjustHandles="1" noChangeArrowheads="1" noChangeShapeType="1" noTextEdit="1"/>
+          </p:cNvSpPr>
+          <p:nvPr>
+            <p:extLst>
+              <p:ext uri="{386F3935-93C4-4BCD-93E2-E3B085C9AB24}">
+                <p16:designElem xmlns:p16="http://schemas.microsoft.com/office/powerpoint/2015/main" val="1"/>
+              </p:ext>
+            </p:extLst>
+          </p:nvPr>
+        </p:nvSpPr>
+        <p:spPr>
+          <a:xfrm>
+            <a:off x="0" y="0"/>
+            <a:ext cx="12188952" cy="6858000"/>
+          </a:xfrm>
+          <a:prstGeom prst="rect">
+            <a:avLst/>
+          </a:prstGeom>
+          <a:ln>
+            <a:noFill/>
+          </a:ln>
+        </p:spPr>
+        <p:style>
+          <a:lnRef idx="2">
+            <a:schemeClr val="accent1">
+              <a:shade val="50000"/>
+            </a:schemeClr>
+          </a:lnRef>
+          <a:fillRef idx="1">
+            <a:schemeClr val="accent1"/>
+          </a:fillRef>
+          <a:effectRef idx="0">
+            <a:schemeClr val="accent1"/>
+          </a:effectRef>
+          <a:fontRef idx="minor">
+            <a:schemeClr val="lt1"/>
+          </a:fontRef>
+        </p:style>
+        <p:txBody>
+          <a:bodyPr rtlCol="0" anchor="ctr"/>
+          <a:lstStyle/>
+          <a:p>
+            <a:pPr algn="ctr"/>
+            <a:endParaRPr lang="en-US"/>
+          </a:p>
+        </p:txBody>
+      </p:sp>
+      <p:sp>
+        <p:nvSpPr>
+          <p:cNvPr id="2" name="Title 1">
+            <a:extLst>
+              <a:ext uri="{FF2B5EF4-FFF2-40B4-BE49-F238E27FC236}">
+                <a16:creationId xmlns:a16="http://schemas.microsoft.com/office/drawing/2014/main" id="{392D336C-4303-5030-5D88-81B0085DFE16}"/>
+              </a:ext>
+            </a:extLst>
+          </p:cNvPr>
+          <p:cNvSpPr>
+            <a:spLocks noGrp="1"/>
+          </p:cNvSpPr>
+          <p:nvPr>
+            <p:ph type="title"/>
+          </p:nvPr>
+        </p:nvSpPr>
+        <p:spPr>
+          <a:xfrm>
+            <a:off x="-1" y="61144"/>
+            <a:ext cx="4753155" cy="439947"/>
+          </a:xfrm>
+        </p:spPr>
+        <p:txBody>
+          <a:bodyPr vert="horz" lIns="91440" tIns="45720" rIns="91440" bIns="45720" rtlCol="0" anchor="ctr">
+            <a:normAutofit/>
+          </a:bodyPr>
+          <a:lstStyle/>
+          <a:p>
+            <a:r>
+              <a:rPr lang="en-US" sz="2400" b="1" dirty="0"/>
+              <a:t>Technical Flow – Data Cleaning</a:t>
+            </a:r>
+            <a:r>
+              <a:rPr lang="en-US" sz="2400" b="1" kern="1200" dirty="0">
+                <a:solidFill>
+                  <a:schemeClr val="tx1"/>
+                </a:solidFill>
+                <a:latin typeface="+mj-lt"/>
+                <a:ea typeface="+mj-ea"/>
+                <a:cs typeface="+mj-cs"/>
+              </a:rPr>
+              <a:t> </a:t>
+            </a:r>
+          </a:p>
+        </p:txBody>
+      </p:sp>
+      <p:pic>
+        <p:nvPicPr>
+          <p:cNvPr id="5" name="Picture 4" descr="A computer screen shot of a diagram&#10;&#10;Description automatically generated">
+            <a:extLst>
+              <a:ext uri="{FF2B5EF4-FFF2-40B4-BE49-F238E27FC236}">
+                <a16:creationId xmlns:a16="http://schemas.microsoft.com/office/drawing/2014/main" id="{FB91298B-E91B-24E6-A9D3-8AF39CE779B6}"/>
+              </a:ext>
+            </a:extLst>
+          </p:cNvPr>
+          <p:cNvPicPr>
+            <a:picLocks noChangeAspect="1"/>
+          </p:cNvPicPr>
+          <p:nvPr/>
+        </p:nvPicPr>
+        <p:blipFill rotWithShape="1">
+          <a:blip r:embed="rId2"/>
+          <a:srcRect l="7899" t="10314" r="7831" b="9307"/>
+          <a:stretch/>
+        </p:blipFill>
+        <p:spPr>
+          <a:xfrm>
+            <a:off x="1922034" y="433447"/>
+            <a:ext cx="8344883" cy="6424553"/>
+          </a:xfrm>
+          <a:prstGeom prst="rect">
+            <a:avLst/>
+          </a:prstGeom>
+        </p:spPr>
+      </p:pic>
+    </p:spTree>
+    <p:extLst>
+      <p:ext uri="{BB962C8B-B14F-4D97-AF65-F5344CB8AC3E}">
+        <p14:creationId xmlns:p14="http://schemas.microsoft.com/office/powerpoint/2010/main" val="2221780753"/>
+      </p:ext>
+    </p:extLst>
+  </p:cSld>
+  <p:clrMapOvr>
+    <a:masterClrMapping/>
+  </p:clrMapOvr>
+</p:sld>
+</file>
+
+<file path=ppt/slides/slide7.xml><?xml version="1.0" encoding="utf-8"?>
+<p:sld xmlns:a="http://schemas.openxmlformats.org/drawingml/2006/main" xmlns:r="http://schemas.openxmlformats.org/officeDocument/2006/relationships" xmlns:p="http://schemas.openxmlformats.org/presentationml/2006/main">
+  <p:cSld>
+    <p:bg>
+      <p:bgPr>
+        <a:solidFill>
+          <a:schemeClr val="bg1"/>
+        </a:solidFill>
+        <a:effectLst/>
+      </p:bgPr>
+    </p:bg>
+    <p:spTree>
+      <p:nvGrpSpPr>
+        <p:cNvPr id="1" name=""/>
+        <p:cNvGrpSpPr/>
+        <p:nvPr/>
+      </p:nvGrpSpPr>
+      <p:grpSpPr>
+        <a:xfrm>
+          <a:off x="0" y="0"/>
+          <a:ext cx="0" cy="0"/>
+          <a:chOff x="0" y="0"/>
+          <a:chExt cx="0" cy="0"/>
+        </a:xfrm>
+      </p:grpSpPr>
+      <p:sp useBgFill="1">
+        <p:nvSpPr>
+          <p:cNvPr id="14" name="Rectangle 13">
+            <a:extLst>
+              <a:ext uri="{FF2B5EF4-FFF2-40B4-BE49-F238E27FC236}">
+                <a16:creationId xmlns:a16="http://schemas.microsoft.com/office/drawing/2014/main" id="{53F29798-D584-4792-9B62-3F5F5C36D619}"/>
+              </a:ext>
+              <a:ext uri="{C183D7F6-B498-43B3-948B-1728B52AA6E4}">
+                <adec:decorative xmlns:adec="http://schemas.microsoft.com/office/drawing/2017/decorative" val="1"/>
+              </a:ext>
+            </a:extLst>
+          </p:cNvPr>
+          <p:cNvSpPr>
+            <a:spLocks noGrp="1" noRot="1" noChangeAspect="1" noMove="1" noResize="1" noEditPoints="1" noAdjustHandles="1" noChangeArrowheads="1" noChangeShapeType="1" noTextEdit="1"/>
+          </p:cNvSpPr>
+          <p:nvPr>
+            <p:extLst>
+              <p:ext uri="{386F3935-93C4-4BCD-93E2-E3B085C9AB24}">
+                <p16:designElem xmlns:p16="http://schemas.microsoft.com/office/powerpoint/2015/main" val="1"/>
+              </p:ext>
+            </p:extLst>
+          </p:nvPr>
+        </p:nvSpPr>
+        <p:spPr>
+          <a:xfrm>
+            <a:off x="0" y="0"/>
+            <a:ext cx="12188952" cy="6858000"/>
+          </a:xfrm>
+          <a:prstGeom prst="rect">
+            <a:avLst/>
+          </a:prstGeom>
+          <a:ln>
+            <a:noFill/>
+          </a:ln>
+        </p:spPr>
+        <p:style>
+          <a:lnRef idx="2">
+            <a:schemeClr val="accent1">
+              <a:shade val="50000"/>
+            </a:schemeClr>
+          </a:lnRef>
+          <a:fillRef idx="1">
+            <a:schemeClr val="accent1"/>
+          </a:fillRef>
+          <a:effectRef idx="0">
+            <a:schemeClr val="accent1"/>
+          </a:effectRef>
+          <a:fontRef idx="minor">
+            <a:schemeClr val="lt1"/>
+          </a:fontRef>
+        </p:style>
+        <p:txBody>
+          <a:bodyPr rtlCol="0" anchor="ctr"/>
+          <a:lstStyle/>
+          <a:p>
+            <a:pPr algn="ctr"/>
+            <a:endParaRPr lang="en-US"/>
+          </a:p>
+        </p:txBody>
+      </p:sp>
+      <p:sp>
+        <p:nvSpPr>
+          <p:cNvPr id="2" name="Title 1">
+            <a:extLst>
+              <a:ext uri="{FF2B5EF4-FFF2-40B4-BE49-F238E27FC236}">
+                <a16:creationId xmlns:a16="http://schemas.microsoft.com/office/drawing/2014/main" id="{392D336C-4303-5030-5D88-81B0085DFE16}"/>
+              </a:ext>
+            </a:extLst>
+          </p:cNvPr>
+          <p:cNvSpPr>
+            <a:spLocks noGrp="1"/>
+          </p:cNvSpPr>
+          <p:nvPr>
+            <p:ph type="title"/>
+          </p:nvPr>
+        </p:nvSpPr>
+        <p:spPr>
+          <a:xfrm>
+            <a:off x="-1" y="61144"/>
+            <a:ext cx="4753155" cy="439947"/>
+          </a:xfrm>
+        </p:spPr>
+        <p:txBody>
+          <a:bodyPr vert="horz" lIns="91440" tIns="45720" rIns="91440" bIns="45720" rtlCol="0" anchor="ctr">
+            <a:normAutofit/>
+          </a:bodyPr>
+          <a:lstStyle/>
+          <a:p>
+            <a:r>
+              <a:rPr lang="en-US" sz="2400" b="1" dirty="0"/>
+              <a:t>Technical Flow – File Download</a:t>
+            </a:r>
+            <a:r>
+              <a:rPr lang="en-US" sz="2400" b="1" kern="1200" dirty="0">
+                <a:solidFill>
+                  <a:schemeClr val="tx1"/>
+                </a:solidFill>
+                <a:latin typeface="+mj-lt"/>
+                <a:ea typeface="+mj-ea"/>
+                <a:cs typeface="+mj-cs"/>
+              </a:rPr>
+              <a:t> </a:t>
+            </a:r>
+          </a:p>
+        </p:txBody>
+      </p:sp>
+      <p:pic>
+        <p:nvPicPr>
+          <p:cNvPr id="4" name="Picture 3" descr="A diagram of a software development process&#10;&#10;Description automatically generated">
+            <a:extLst>
+              <a:ext uri="{FF2B5EF4-FFF2-40B4-BE49-F238E27FC236}">
+                <a16:creationId xmlns:a16="http://schemas.microsoft.com/office/drawing/2014/main" id="{0F96BC52-3071-B1DB-4A5F-E23E26B7D088}"/>
+              </a:ext>
+            </a:extLst>
+          </p:cNvPr>
+          <p:cNvPicPr>
+            <a:picLocks noChangeAspect="1"/>
+          </p:cNvPicPr>
+          <p:nvPr/>
+        </p:nvPicPr>
+        <p:blipFill rotWithShape="1">
+          <a:blip r:embed="rId2"/>
+          <a:srcRect l="7929" t="11698" r="8520" b="11698"/>
+          <a:stretch/>
+        </p:blipFill>
+        <p:spPr>
+          <a:xfrm>
+            <a:off x="1311215" y="698537"/>
+            <a:ext cx="8928341" cy="5962016"/>
+          </a:xfrm>
+          <a:prstGeom prst="rect">
+            <a:avLst/>
+          </a:prstGeom>
+        </p:spPr>
+      </p:pic>
+    </p:spTree>
+    <p:extLst>
+      <p:ext uri="{BB962C8B-B14F-4D97-AF65-F5344CB8AC3E}">
+        <p14:creationId xmlns:p14="http://schemas.microsoft.com/office/powerpoint/2010/main" val="1107799361"/>
+      </p:ext>
+    </p:extLst>
+  </p:cSld>
+  <p:clrMapOvr>
+    <a:masterClrMapping/>
+  </p:clrMapOvr>
+</p:sld>
+</file>
+
+<file path=ppt/slides/slide8.xml><?xml version="1.0" encoding="utf-8"?>
+<p:sld xmlns:a="http://schemas.openxmlformats.org/drawingml/2006/main" xmlns:r="http://schemas.openxmlformats.org/officeDocument/2006/relationships" xmlns:p="http://schemas.openxmlformats.org/presentationml/2006/main">
+  <p:cSld>
     <p:spTree>
       <p:nvGrpSpPr>
         <p:cNvPr id="1" name=""/>
@@ -9763,7 +10489,7 @@
             <p:ph idx="1"/>
             <p:extLst>
               <p:ext uri="{D42A27DB-BD31-4B8C-83A1-F6EECF244321}">
-                <p14:modId xmlns:p14="http://schemas.microsoft.com/office/powerpoint/2010/main" val="94832626"/>
+                <p14:modId xmlns:p14="http://schemas.microsoft.com/office/powerpoint/2010/main" val="141603333"/>
               </p:ext>
             </p:extLst>
           </p:nvPr>
